--- a/templates/Slide Deck Template.pptx
+++ b/templates/Slide Deck Template.pptx
@@ -122,7 +122,7 @@
 <p1510:revInfo xmlns:a="http://schemas.openxmlformats.org/drawingml/2006/main" xmlns:r="http://schemas.openxmlformats.org/officeDocument/2006/relationships" xmlns:p1510="http://schemas.microsoft.com/office/powerpoint/2015/10/main">
   <p1510:revLst>
     <p1510:client id="{778EDCCE-997E-D944-BD3F-D158BD6123E9}" v="52" dt="2019-07-03T02:59:42.324"/>
-    <p1510:client id="{D4EF642C-A113-BF44-819C-DCD16989AC1A}" v="82" dt="2019-07-03T15:44:45.871"/>
+    <p1510:client id="{D4EF642C-A113-BF44-819C-DCD16989AC1A}" v="115" dt="2019-07-03T15:52:37.930"/>
   </p1510:revLst>
 </p1510:revInfo>
 </file>
@@ -159,6 +159,9 @@
             <a:off x="1524000" y="1122363"/>
             <a:ext cx="9144000" cy="2387600"/>
           </a:xfrm>
+          <a:prstGeom prst="rect">
+            <a:avLst/>
+          </a:prstGeom>
         </p:spPr>
         <p:txBody>
           <a:bodyPr anchor="b"/>
@@ -249,7 +252,15 @@
             <p:ph type="dt" sz="half" idx="10"/>
           </p:nvPr>
         </p:nvSpPr>
-        <p:spPr/>
+        <p:spPr>
+          <a:xfrm>
+            <a:off x="838200" y="6356350"/>
+            <a:ext cx="2743200" cy="365125"/>
+          </a:xfrm>
+          <a:prstGeom prst="rect">
+            <a:avLst/>
+          </a:prstGeom>
+        </p:spPr>
         <p:txBody>
           <a:bodyPr/>
           <a:lstStyle/>
@@ -272,7 +283,15 @@
             <p:ph type="ftr" sz="quarter" idx="11"/>
           </p:nvPr>
         </p:nvSpPr>
-        <p:spPr/>
+        <p:spPr>
+          <a:xfrm>
+            <a:off x="4038600" y="6356350"/>
+            <a:ext cx="4114800" cy="365125"/>
+          </a:xfrm>
+          <a:prstGeom prst="rect">
+            <a:avLst/>
+          </a:prstGeom>
+        </p:spPr>
         <p:txBody>
           <a:bodyPr/>
           <a:lstStyle/>
@@ -291,7 +310,15 @@
             <p:ph type="sldNum" sz="quarter" idx="12"/>
           </p:nvPr>
         </p:nvSpPr>
-        <p:spPr/>
+        <p:spPr>
+          <a:xfrm>
+            <a:off x="8610600" y="6356350"/>
+            <a:ext cx="2743200" cy="365125"/>
+          </a:xfrm>
+          <a:prstGeom prst="rect">
+            <a:avLst/>
+          </a:prstGeom>
+        </p:spPr>
         <p:txBody>
           <a:bodyPr/>
           <a:lstStyle/>
@@ -344,30 +371,38 @@
             <p:ph type="title"/>
           </p:nvPr>
         </p:nvSpPr>
+        <p:spPr>
+          <a:xfrm>
+            <a:off x="838200" y="365125"/>
+            <a:ext cx="10515600" cy="1325563"/>
+          </a:xfrm>
+          <a:prstGeom prst="rect">
+            <a:avLst/>
+          </a:prstGeom>
+        </p:spPr>
+        <p:txBody>
+          <a:bodyPr/>
+          <a:lstStyle/>
+          <a:p>
+            <a:r>
+              <a:rPr lang="en-US"/>
+              <a:t>Click to edit Master title style</a:t>
+            </a:r>
+          </a:p>
+        </p:txBody>
+      </p:sp>
+      <p:sp>
+        <p:nvSpPr>
+          <p:cNvPr id="3" name="Vertical Text Placeholder 2"/>
+          <p:cNvSpPr>
+            <a:spLocks noGrp="1"/>
+          </p:cNvSpPr>
+          <p:nvPr>
+            <p:ph type="body" orient="vert" idx="1"/>
+          </p:nvPr>
+        </p:nvSpPr>
         <p:spPr/>
         <p:txBody>
-          <a:bodyPr/>
-          <a:lstStyle/>
-          <a:p>
-            <a:r>
-              <a:rPr lang="en-US"/>
-              <a:t>Click to edit Master title style</a:t>
-            </a:r>
-          </a:p>
-        </p:txBody>
-      </p:sp>
-      <p:sp>
-        <p:nvSpPr>
-          <p:cNvPr id="3" name="Vertical Text Placeholder 2"/>
-          <p:cNvSpPr>
-            <a:spLocks noGrp="1"/>
-          </p:cNvSpPr>
-          <p:nvPr>
-            <p:ph type="body" orient="vert" idx="1"/>
-          </p:nvPr>
-        </p:nvSpPr>
-        <p:spPr/>
-        <p:txBody>
           <a:bodyPr vert="eaVert"/>
           <a:lstStyle/>
           <a:p>
@@ -417,7 +452,15 @@
             <p:ph type="dt" sz="half" idx="10"/>
           </p:nvPr>
         </p:nvSpPr>
-        <p:spPr/>
+        <p:spPr>
+          <a:xfrm>
+            <a:off x="838200" y="6356350"/>
+            <a:ext cx="2743200" cy="365125"/>
+          </a:xfrm>
+          <a:prstGeom prst="rect">
+            <a:avLst/>
+          </a:prstGeom>
+        </p:spPr>
         <p:txBody>
           <a:bodyPr/>
           <a:lstStyle/>
@@ -440,7 +483,15 @@
             <p:ph type="ftr" sz="quarter" idx="11"/>
           </p:nvPr>
         </p:nvSpPr>
-        <p:spPr/>
+        <p:spPr>
+          <a:xfrm>
+            <a:off x="4038600" y="6356350"/>
+            <a:ext cx="4114800" cy="365125"/>
+          </a:xfrm>
+          <a:prstGeom prst="rect">
+            <a:avLst/>
+          </a:prstGeom>
+        </p:spPr>
         <p:txBody>
           <a:bodyPr/>
           <a:lstStyle/>
@@ -459,7 +510,15 @@
             <p:ph type="sldNum" sz="quarter" idx="12"/>
           </p:nvPr>
         </p:nvSpPr>
-        <p:spPr/>
+        <p:spPr>
+          <a:xfrm>
+            <a:off x="8610600" y="6356350"/>
+            <a:ext cx="2743200" cy="365125"/>
+          </a:xfrm>
+          <a:prstGeom prst="rect">
+            <a:avLst/>
+          </a:prstGeom>
+        </p:spPr>
         <p:txBody>
           <a:bodyPr/>
           <a:lstStyle/>
@@ -517,6 +576,9 @@
             <a:off x="8724900" y="365125"/>
             <a:ext cx="2628900" cy="5811838"/>
           </a:xfrm>
+          <a:prstGeom prst="rect">
+            <a:avLst/>
+          </a:prstGeom>
         </p:spPr>
         <p:txBody>
           <a:bodyPr vert="eaVert"/>
@@ -595,7 +657,15 @@
             <p:ph type="dt" sz="half" idx="10"/>
           </p:nvPr>
         </p:nvSpPr>
-        <p:spPr/>
+        <p:spPr>
+          <a:xfrm>
+            <a:off x="838200" y="6356350"/>
+            <a:ext cx="2743200" cy="365125"/>
+          </a:xfrm>
+          <a:prstGeom prst="rect">
+            <a:avLst/>
+          </a:prstGeom>
+        </p:spPr>
         <p:txBody>
           <a:bodyPr/>
           <a:lstStyle/>
@@ -618,7 +688,15 @@
             <p:ph type="ftr" sz="quarter" idx="11"/>
           </p:nvPr>
         </p:nvSpPr>
-        <p:spPr/>
+        <p:spPr>
+          <a:xfrm>
+            <a:off x="4038600" y="6356350"/>
+            <a:ext cx="4114800" cy="365125"/>
+          </a:xfrm>
+          <a:prstGeom prst="rect">
+            <a:avLst/>
+          </a:prstGeom>
+        </p:spPr>
         <p:txBody>
           <a:bodyPr/>
           <a:lstStyle/>
@@ -637,7 +715,15 @@
             <p:ph type="sldNum" sz="quarter" idx="12"/>
           </p:nvPr>
         </p:nvSpPr>
-        <p:spPr/>
+        <p:spPr>
+          <a:xfrm>
+            <a:off x="8610600" y="6356350"/>
+            <a:ext cx="2743200" cy="365125"/>
+          </a:xfrm>
+          <a:prstGeom prst="rect">
+            <a:avLst/>
+          </a:prstGeom>
+        </p:spPr>
         <p:txBody>
           <a:bodyPr/>
           <a:lstStyle/>
@@ -690,32 +776,84 @@
             <p:ph type="title"/>
           </p:nvPr>
         </p:nvSpPr>
+        <p:spPr>
+          <a:xfrm>
+            <a:off x="838200" y="365125"/>
+            <a:ext cx="10515600" cy="1325563"/>
+          </a:xfrm>
+          <a:prstGeom prst="rect">
+            <a:avLst/>
+          </a:prstGeom>
+        </p:spPr>
+        <p:txBody>
+          <a:bodyPr/>
+          <a:lstStyle>
+            <a:lvl1pPr>
+              <a:defRPr>
+                <a:latin typeface="Open Sans" panose="020B0606030504020204" pitchFamily="34" charset="0"/>
+                <a:ea typeface="Open Sans" panose="020B0606030504020204" pitchFamily="34" charset="0"/>
+                <a:cs typeface="Open Sans" panose="020B0606030504020204" pitchFamily="34" charset="0"/>
+              </a:defRPr>
+            </a:lvl1pPr>
+          </a:lstStyle>
+          <a:p>
+            <a:r>
+              <a:rPr lang="en-US"/>
+              <a:t>Click to edit Master title style</a:t>
+            </a:r>
+          </a:p>
+        </p:txBody>
+      </p:sp>
+      <p:sp>
+        <p:nvSpPr>
+          <p:cNvPr id="3" name="Content Placeholder 2"/>
+          <p:cNvSpPr>
+            <a:spLocks noGrp="1"/>
+          </p:cNvSpPr>
+          <p:nvPr>
+            <p:ph idx="1"/>
+          </p:nvPr>
+        </p:nvSpPr>
         <p:spPr/>
         <p:txBody>
           <a:bodyPr/>
-          <a:lstStyle/>
-          <a:p>
-            <a:r>
-              <a:rPr lang="en-US"/>
-              <a:t>Click to edit Master title style</a:t>
-            </a:r>
-          </a:p>
-        </p:txBody>
-      </p:sp>
-      <p:sp>
-        <p:nvSpPr>
-          <p:cNvPr id="3" name="Content Placeholder 2"/>
-          <p:cNvSpPr>
-            <a:spLocks noGrp="1"/>
-          </p:cNvSpPr>
-          <p:nvPr>
-            <p:ph idx="1"/>
-          </p:nvPr>
-        </p:nvSpPr>
-        <p:spPr/>
-        <p:txBody>
-          <a:bodyPr/>
-          <a:lstStyle/>
+          <a:lstStyle>
+            <a:lvl1pPr>
+              <a:defRPr>
+                <a:latin typeface="Open Sans" panose="020B0606030504020204" pitchFamily="34" charset="0"/>
+                <a:ea typeface="Open Sans" panose="020B0606030504020204" pitchFamily="34" charset="0"/>
+                <a:cs typeface="Open Sans" panose="020B0606030504020204" pitchFamily="34" charset="0"/>
+              </a:defRPr>
+            </a:lvl1pPr>
+            <a:lvl2pPr>
+              <a:defRPr>
+                <a:latin typeface="Open Sans" panose="020B0606030504020204" pitchFamily="34" charset="0"/>
+                <a:ea typeface="Open Sans" panose="020B0606030504020204" pitchFamily="34" charset="0"/>
+                <a:cs typeface="Open Sans" panose="020B0606030504020204" pitchFamily="34" charset="0"/>
+              </a:defRPr>
+            </a:lvl2pPr>
+            <a:lvl3pPr>
+              <a:defRPr>
+                <a:latin typeface="Open Sans" panose="020B0606030504020204" pitchFamily="34" charset="0"/>
+                <a:ea typeface="Open Sans" panose="020B0606030504020204" pitchFamily="34" charset="0"/>
+                <a:cs typeface="Open Sans" panose="020B0606030504020204" pitchFamily="34" charset="0"/>
+              </a:defRPr>
+            </a:lvl3pPr>
+            <a:lvl4pPr>
+              <a:defRPr>
+                <a:latin typeface="Open Sans" panose="020B0606030504020204" pitchFamily="34" charset="0"/>
+                <a:ea typeface="Open Sans" panose="020B0606030504020204" pitchFamily="34" charset="0"/>
+                <a:cs typeface="Open Sans" panose="020B0606030504020204" pitchFamily="34" charset="0"/>
+              </a:defRPr>
+            </a:lvl4pPr>
+            <a:lvl5pPr>
+              <a:defRPr>
+                <a:latin typeface="Open Sans" panose="020B0606030504020204" pitchFamily="34" charset="0"/>
+                <a:ea typeface="Open Sans" panose="020B0606030504020204" pitchFamily="34" charset="0"/>
+                <a:cs typeface="Open Sans" panose="020B0606030504020204" pitchFamily="34" charset="0"/>
+              </a:defRPr>
+            </a:lvl5pPr>
+          </a:lstStyle>
           <a:p>
             <a:pPr lvl="0"/>
             <a:r>
@@ -763,7 +901,15 @@
             <p:ph type="dt" sz="half" idx="10"/>
           </p:nvPr>
         </p:nvSpPr>
-        <p:spPr/>
+        <p:spPr>
+          <a:xfrm>
+            <a:off x="838200" y="6356350"/>
+            <a:ext cx="2743200" cy="365125"/>
+          </a:xfrm>
+          <a:prstGeom prst="rect">
+            <a:avLst/>
+          </a:prstGeom>
+        </p:spPr>
         <p:txBody>
           <a:bodyPr/>
           <a:lstStyle/>
@@ -786,7 +932,15 @@
             <p:ph type="ftr" sz="quarter" idx="11"/>
           </p:nvPr>
         </p:nvSpPr>
-        <p:spPr/>
+        <p:spPr>
+          <a:xfrm>
+            <a:off x="4038600" y="6356350"/>
+            <a:ext cx="4114800" cy="365125"/>
+          </a:xfrm>
+          <a:prstGeom prst="rect">
+            <a:avLst/>
+          </a:prstGeom>
+        </p:spPr>
         <p:txBody>
           <a:bodyPr/>
           <a:lstStyle/>
@@ -805,7 +959,15 @@
             <p:ph type="sldNum" sz="quarter" idx="12"/>
           </p:nvPr>
         </p:nvSpPr>
-        <p:spPr/>
+        <p:spPr>
+          <a:xfrm>
+            <a:off x="8610600" y="6356350"/>
+            <a:ext cx="2743200" cy="365125"/>
+          </a:xfrm>
+          <a:prstGeom prst="rect">
+            <a:avLst/>
+          </a:prstGeom>
+        </p:spPr>
         <p:txBody>
           <a:bodyPr/>
           <a:lstStyle/>
@@ -863,6 +1025,9 @@
             <a:off x="831850" y="1709738"/>
             <a:ext cx="10515600" cy="2852737"/>
           </a:xfrm>
+          <a:prstGeom prst="rect">
+            <a:avLst/>
+          </a:prstGeom>
         </p:spPr>
         <p:txBody>
           <a:bodyPr anchor="b"/>
@@ -1008,7 +1173,15 @@
             <p:ph type="dt" sz="half" idx="10"/>
           </p:nvPr>
         </p:nvSpPr>
-        <p:spPr/>
+        <p:spPr>
+          <a:xfrm>
+            <a:off x="838200" y="6356350"/>
+            <a:ext cx="2743200" cy="365125"/>
+          </a:xfrm>
+          <a:prstGeom prst="rect">
+            <a:avLst/>
+          </a:prstGeom>
+        </p:spPr>
         <p:txBody>
           <a:bodyPr/>
           <a:lstStyle/>
@@ -1031,7 +1204,15 @@
             <p:ph type="ftr" sz="quarter" idx="11"/>
           </p:nvPr>
         </p:nvSpPr>
-        <p:spPr/>
+        <p:spPr>
+          <a:xfrm>
+            <a:off x="4038600" y="6356350"/>
+            <a:ext cx="4114800" cy="365125"/>
+          </a:xfrm>
+          <a:prstGeom prst="rect">
+            <a:avLst/>
+          </a:prstGeom>
+        </p:spPr>
         <p:txBody>
           <a:bodyPr/>
           <a:lstStyle/>
@@ -1050,7 +1231,15 @@
             <p:ph type="sldNum" sz="quarter" idx="12"/>
           </p:nvPr>
         </p:nvSpPr>
-        <p:spPr/>
+        <p:spPr>
+          <a:xfrm>
+            <a:off x="8610600" y="6356350"/>
+            <a:ext cx="2743200" cy="365125"/>
+          </a:xfrm>
+          <a:prstGeom prst="rect">
+            <a:avLst/>
+          </a:prstGeom>
+        </p:spPr>
         <p:txBody>
           <a:bodyPr/>
           <a:lstStyle/>
@@ -1103,7 +1292,15 @@
             <p:ph type="title"/>
           </p:nvPr>
         </p:nvSpPr>
-        <p:spPr/>
+        <p:spPr>
+          <a:xfrm>
+            <a:off x="838200" y="365125"/>
+            <a:ext cx="10515600" cy="1325563"/>
+          </a:xfrm>
+          <a:prstGeom prst="rect">
+            <a:avLst/>
+          </a:prstGeom>
+        </p:spPr>
         <p:txBody>
           <a:bodyPr/>
           <a:lstStyle/>
@@ -1237,7 +1434,15 @@
             <p:ph type="dt" sz="half" idx="10"/>
           </p:nvPr>
         </p:nvSpPr>
-        <p:spPr/>
+        <p:spPr>
+          <a:xfrm>
+            <a:off x="838200" y="6356350"/>
+            <a:ext cx="2743200" cy="365125"/>
+          </a:xfrm>
+          <a:prstGeom prst="rect">
+            <a:avLst/>
+          </a:prstGeom>
+        </p:spPr>
         <p:txBody>
           <a:bodyPr/>
           <a:lstStyle/>
@@ -1260,7 +1465,15 @@
             <p:ph type="ftr" sz="quarter" idx="11"/>
           </p:nvPr>
         </p:nvSpPr>
-        <p:spPr/>
+        <p:spPr>
+          <a:xfrm>
+            <a:off x="4038600" y="6356350"/>
+            <a:ext cx="4114800" cy="365125"/>
+          </a:xfrm>
+          <a:prstGeom prst="rect">
+            <a:avLst/>
+          </a:prstGeom>
+        </p:spPr>
         <p:txBody>
           <a:bodyPr/>
           <a:lstStyle/>
@@ -1279,7 +1492,15 @@
             <p:ph type="sldNum" sz="quarter" idx="12"/>
           </p:nvPr>
         </p:nvSpPr>
-        <p:spPr/>
+        <p:spPr>
+          <a:xfrm>
+            <a:off x="8610600" y="6356350"/>
+            <a:ext cx="2743200" cy="365125"/>
+          </a:xfrm>
+          <a:prstGeom prst="rect">
+            <a:avLst/>
+          </a:prstGeom>
+        </p:spPr>
         <p:txBody>
           <a:bodyPr/>
           <a:lstStyle/>
@@ -1337,6 +1558,9 @@
             <a:off x="839788" y="365125"/>
             <a:ext cx="10515600" cy="1325563"/>
           </a:xfrm>
+          <a:prstGeom prst="rect">
+            <a:avLst/>
+          </a:prstGeom>
         </p:spPr>
         <p:txBody>
           <a:bodyPr/>
@@ -1601,7 +1825,15 @@
             <p:ph type="dt" sz="half" idx="10"/>
           </p:nvPr>
         </p:nvSpPr>
-        <p:spPr/>
+        <p:spPr>
+          <a:xfrm>
+            <a:off x="838200" y="6356350"/>
+            <a:ext cx="2743200" cy="365125"/>
+          </a:xfrm>
+          <a:prstGeom prst="rect">
+            <a:avLst/>
+          </a:prstGeom>
+        </p:spPr>
         <p:txBody>
           <a:bodyPr/>
           <a:lstStyle/>
@@ -1624,7 +1856,15 @@
             <p:ph type="ftr" sz="quarter" idx="11"/>
           </p:nvPr>
         </p:nvSpPr>
-        <p:spPr/>
+        <p:spPr>
+          <a:xfrm>
+            <a:off x="4038600" y="6356350"/>
+            <a:ext cx="4114800" cy="365125"/>
+          </a:xfrm>
+          <a:prstGeom prst="rect">
+            <a:avLst/>
+          </a:prstGeom>
+        </p:spPr>
         <p:txBody>
           <a:bodyPr/>
           <a:lstStyle/>
@@ -1643,7 +1883,15 @@
             <p:ph type="sldNum" sz="quarter" idx="12"/>
           </p:nvPr>
         </p:nvSpPr>
-        <p:spPr/>
+        <p:spPr>
+          <a:xfrm>
+            <a:off x="8610600" y="6356350"/>
+            <a:ext cx="2743200" cy="365125"/>
+          </a:xfrm>
+          <a:prstGeom prst="rect">
+            <a:avLst/>
+          </a:prstGeom>
+        </p:spPr>
         <p:txBody>
           <a:bodyPr/>
           <a:lstStyle/>
@@ -1696,10 +1944,24 @@
             <p:ph type="title"/>
           </p:nvPr>
         </p:nvSpPr>
-        <p:spPr/>
-        <p:txBody>
-          <a:bodyPr/>
-          <a:lstStyle/>
+        <p:spPr>
+          <a:xfrm>
+            <a:off x="838200" y="2766218"/>
+            <a:ext cx="10515600" cy="1325563"/>
+          </a:xfrm>
+          <a:prstGeom prst="rect">
+            <a:avLst/>
+          </a:prstGeom>
+        </p:spPr>
+        <p:txBody>
+          <a:bodyPr>
+            <a:normAutofit/>
+          </a:bodyPr>
+          <a:lstStyle>
+            <a:lvl1pPr algn="ctr">
+              <a:defRPr sz="5400"/>
+            </a:lvl1pPr>
+          </a:lstStyle>
           <a:p>
             <a:r>
               <a:rPr lang="en-US"/>
@@ -1718,7 +1980,15 @@
             <p:ph type="dt" sz="half" idx="10"/>
           </p:nvPr>
         </p:nvSpPr>
-        <p:spPr/>
+        <p:spPr>
+          <a:xfrm>
+            <a:off x="838200" y="6356350"/>
+            <a:ext cx="2743200" cy="365125"/>
+          </a:xfrm>
+          <a:prstGeom prst="rect">
+            <a:avLst/>
+          </a:prstGeom>
+        </p:spPr>
         <p:txBody>
           <a:bodyPr/>
           <a:lstStyle/>
@@ -1741,7 +2011,15 @@
             <p:ph type="ftr" sz="quarter" idx="11"/>
           </p:nvPr>
         </p:nvSpPr>
-        <p:spPr/>
+        <p:spPr>
+          <a:xfrm>
+            <a:off x="4038600" y="6356350"/>
+            <a:ext cx="4114800" cy="365125"/>
+          </a:xfrm>
+          <a:prstGeom prst="rect">
+            <a:avLst/>
+          </a:prstGeom>
+        </p:spPr>
         <p:txBody>
           <a:bodyPr/>
           <a:lstStyle/>
@@ -1760,7 +2038,15 @@
             <p:ph type="sldNum" sz="quarter" idx="12"/>
           </p:nvPr>
         </p:nvSpPr>
-        <p:spPr/>
+        <p:spPr>
+          <a:xfrm>
+            <a:off x="8610600" y="6356350"/>
+            <a:ext cx="2743200" cy="365125"/>
+          </a:xfrm>
+          <a:prstGeom prst="rect">
+            <a:avLst/>
+          </a:prstGeom>
+        </p:spPr>
         <p:txBody>
           <a:bodyPr/>
           <a:lstStyle/>
@@ -1813,7 +2099,15 @@
             <p:ph type="dt" sz="half" idx="10"/>
           </p:nvPr>
         </p:nvSpPr>
-        <p:spPr/>
+        <p:spPr>
+          <a:xfrm>
+            <a:off x="838200" y="6356350"/>
+            <a:ext cx="2743200" cy="365125"/>
+          </a:xfrm>
+          <a:prstGeom prst="rect">
+            <a:avLst/>
+          </a:prstGeom>
+        </p:spPr>
         <p:txBody>
           <a:bodyPr/>
           <a:lstStyle/>
@@ -1836,7 +2130,15 @@
             <p:ph type="ftr" sz="quarter" idx="11"/>
           </p:nvPr>
         </p:nvSpPr>
-        <p:spPr/>
+        <p:spPr>
+          <a:xfrm>
+            <a:off x="4038600" y="6356350"/>
+            <a:ext cx="4114800" cy="365125"/>
+          </a:xfrm>
+          <a:prstGeom prst="rect">
+            <a:avLst/>
+          </a:prstGeom>
+        </p:spPr>
         <p:txBody>
           <a:bodyPr/>
           <a:lstStyle/>
@@ -1855,7 +2157,15 @@
             <p:ph type="sldNum" sz="quarter" idx="12"/>
           </p:nvPr>
         </p:nvSpPr>
-        <p:spPr/>
+        <p:spPr>
+          <a:xfrm>
+            <a:off x="8610600" y="6356350"/>
+            <a:ext cx="2743200" cy="365125"/>
+          </a:xfrm>
+          <a:prstGeom prst="rect">
+            <a:avLst/>
+          </a:prstGeom>
+        </p:spPr>
         <p:txBody>
           <a:bodyPr/>
           <a:lstStyle/>
@@ -1913,6 +2223,9 @@
             <a:off x="839788" y="457200"/>
             <a:ext cx="3932237" cy="1600200"/>
           </a:xfrm>
+          <a:prstGeom prst="rect">
+            <a:avLst/>
+          </a:prstGeom>
         </p:spPr>
         <p:txBody>
           <a:bodyPr anchor="b"/>
@@ -2088,7 +2401,15 @@
             <p:ph type="dt" sz="half" idx="10"/>
           </p:nvPr>
         </p:nvSpPr>
-        <p:spPr/>
+        <p:spPr>
+          <a:xfrm>
+            <a:off x="838200" y="6356350"/>
+            <a:ext cx="2743200" cy="365125"/>
+          </a:xfrm>
+          <a:prstGeom prst="rect">
+            <a:avLst/>
+          </a:prstGeom>
+        </p:spPr>
         <p:txBody>
           <a:bodyPr/>
           <a:lstStyle/>
@@ -2111,7 +2432,15 @@
             <p:ph type="ftr" sz="quarter" idx="11"/>
           </p:nvPr>
         </p:nvSpPr>
-        <p:spPr/>
+        <p:spPr>
+          <a:xfrm>
+            <a:off x="4038600" y="6356350"/>
+            <a:ext cx="4114800" cy="365125"/>
+          </a:xfrm>
+          <a:prstGeom prst="rect">
+            <a:avLst/>
+          </a:prstGeom>
+        </p:spPr>
         <p:txBody>
           <a:bodyPr/>
           <a:lstStyle/>
@@ -2130,7 +2459,15 @@
             <p:ph type="sldNum" sz="quarter" idx="12"/>
           </p:nvPr>
         </p:nvSpPr>
-        <p:spPr/>
+        <p:spPr>
+          <a:xfrm>
+            <a:off x="8610600" y="6356350"/>
+            <a:ext cx="2743200" cy="365125"/>
+          </a:xfrm>
+          <a:prstGeom prst="rect">
+            <a:avLst/>
+          </a:prstGeom>
+        </p:spPr>
         <p:txBody>
           <a:bodyPr/>
           <a:lstStyle/>
@@ -2188,6 +2525,9 @@
             <a:off x="839788" y="457200"/>
             <a:ext cx="3932237" cy="1600200"/>
           </a:xfrm>
+          <a:prstGeom prst="rect">
+            <a:avLst/>
+          </a:prstGeom>
         </p:spPr>
         <p:txBody>
           <a:bodyPr anchor="b"/>
@@ -2343,7 +2683,15 @@
             <p:ph type="dt" sz="half" idx="10"/>
           </p:nvPr>
         </p:nvSpPr>
-        <p:spPr/>
+        <p:spPr>
+          <a:xfrm>
+            <a:off x="838200" y="6356350"/>
+            <a:ext cx="2743200" cy="365125"/>
+          </a:xfrm>
+          <a:prstGeom prst="rect">
+            <a:avLst/>
+          </a:prstGeom>
+        </p:spPr>
         <p:txBody>
           <a:bodyPr/>
           <a:lstStyle/>
@@ -2366,7 +2714,15 @@
             <p:ph type="ftr" sz="quarter" idx="11"/>
           </p:nvPr>
         </p:nvSpPr>
-        <p:spPr/>
+        <p:spPr>
+          <a:xfrm>
+            <a:off x="4038600" y="6356350"/>
+            <a:ext cx="4114800" cy="365125"/>
+          </a:xfrm>
+          <a:prstGeom prst="rect">
+            <a:avLst/>
+          </a:prstGeom>
+        </p:spPr>
         <p:txBody>
           <a:bodyPr/>
           <a:lstStyle/>
@@ -2385,7 +2741,15 @@
             <p:ph type="sldNum" sz="quarter" idx="12"/>
           </p:nvPr>
         </p:nvSpPr>
-        <p:spPr/>
+        <p:spPr>
+          <a:xfrm>
+            <a:off x="8610600" y="6356350"/>
+            <a:ext cx="2743200" cy="365125"/>
+          </a:xfrm>
+          <a:prstGeom prst="rect">
+            <a:avLst/>
+          </a:prstGeom>
+        </p:spPr>
         <p:txBody>
           <a:bodyPr/>
           <a:lstStyle/>
@@ -2435,7 +2799,74 @@
       </p:grpSpPr>
       <p:sp>
         <p:nvSpPr>
-          <p:cNvPr id="2" name="Title Placeholder 1"/>
+          <p:cNvPr id="3" name="Text Placeholder 2"/>
+          <p:cNvSpPr>
+            <a:spLocks noGrp="1"/>
+          </p:cNvSpPr>
+          <p:nvPr>
+            <p:ph type="body" idx="1"/>
+          </p:nvPr>
+        </p:nvSpPr>
+        <p:spPr>
+          <a:xfrm>
+            <a:off x="838200" y="1825625"/>
+            <a:ext cx="10515600" cy="4351338"/>
+          </a:xfrm>
+          <a:prstGeom prst="rect">
+            <a:avLst/>
+          </a:prstGeom>
+        </p:spPr>
+        <p:txBody>
+          <a:bodyPr vert="horz" lIns="91440" tIns="45720" rIns="91440" bIns="45720" rtlCol="0">
+            <a:normAutofit/>
+          </a:bodyPr>
+          <a:lstStyle/>
+          <a:p>
+            <a:pPr lvl="0"/>
+            <a:r>
+              <a:rPr lang="en-US"/>
+              <a:t>Click to edit Master text styles</a:t>
+            </a:r>
+          </a:p>
+          <a:p>
+            <a:pPr lvl="1"/>
+            <a:r>
+              <a:rPr lang="en-US"/>
+              <a:t>Second level</a:t>
+            </a:r>
+          </a:p>
+          <a:p>
+            <a:pPr lvl="2"/>
+            <a:r>
+              <a:rPr lang="en-US"/>
+              <a:t>Third level</a:t>
+            </a:r>
+          </a:p>
+          <a:p>
+            <a:pPr lvl="3"/>
+            <a:r>
+              <a:rPr lang="en-US"/>
+              <a:t>Fourth level</a:t>
+            </a:r>
+          </a:p>
+          <a:p>
+            <a:pPr lvl="4"/>
+            <a:r>
+              <a:rPr lang="en-US"/>
+              <a:t>Fifth level</a:t>
+            </a:r>
+          </a:p>
+        </p:txBody>
+      </p:sp>
+      <p:sp>
+        <p:nvSpPr>
+          <p:cNvPr id="7" name="Title Placeholder 6">
+            <a:extLst>
+              <a:ext uri="{FF2B5EF4-FFF2-40B4-BE49-F238E27FC236}">
+                <a16:creationId xmlns:a16="http://schemas.microsoft.com/office/drawing/2014/main" id="{B26A19DD-4D76-924F-9786-4CCFE7601C53}"/>
+              </a:ext>
+            </a:extLst>
+          </p:cNvPr>
           <p:cNvSpPr>
             <a:spLocks noGrp="1"/>
           </p:cNvSpPr>
@@ -2462,186 +2893,6 @@
               <a:rPr lang="en-US"/>
               <a:t>Click to edit Master title style</a:t>
             </a:r>
-          </a:p>
-        </p:txBody>
-      </p:sp>
-      <p:sp>
-        <p:nvSpPr>
-          <p:cNvPr id="3" name="Text Placeholder 2"/>
-          <p:cNvSpPr>
-            <a:spLocks noGrp="1"/>
-          </p:cNvSpPr>
-          <p:nvPr>
-            <p:ph type="body" idx="1"/>
-          </p:nvPr>
-        </p:nvSpPr>
-        <p:spPr>
-          <a:xfrm>
-            <a:off x="838200" y="1825625"/>
-            <a:ext cx="10515600" cy="4351338"/>
-          </a:xfrm>
-          <a:prstGeom prst="rect">
-            <a:avLst/>
-          </a:prstGeom>
-        </p:spPr>
-        <p:txBody>
-          <a:bodyPr vert="horz" lIns="91440" tIns="45720" rIns="91440" bIns="45720" rtlCol="0">
-            <a:normAutofit/>
-          </a:bodyPr>
-          <a:lstStyle/>
-          <a:p>
-            <a:pPr lvl="0"/>
-            <a:r>
-              <a:rPr lang="en-US"/>
-              <a:t>Click to edit Master text styles</a:t>
-            </a:r>
-          </a:p>
-          <a:p>
-            <a:pPr lvl="1"/>
-            <a:r>
-              <a:rPr lang="en-US"/>
-              <a:t>Second level</a:t>
-            </a:r>
-          </a:p>
-          <a:p>
-            <a:pPr lvl="2"/>
-            <a:r>
-              <a:rPr lang="en-US"/>
-              <a:t>Third level</a:t>
-            </a:r>
-          </a:p>
-          <a:p>
-            <a:pPr lvl="3"/>
-            <a:r>
-              <a:rPr lang="en-US"/>
-              <a:t>Fourth level</a:t>
-            </a:r>
-          </a:p>
-          <a:p>
-            <a:pPr lvl="4"/>
-            <a:r>
-              <a:rPr lang="en-US"/>
-              <a:t>Fifth level</a:t>
-            </a:r>
-          </a:p>
-        </p:txBody>
-      </p:sp>
-      <p:sp>
-        <p:nvSpPr>
-          <p:cNvPr id="4" name="Date Placeholder 3"/>
-          <p:cNvSpPr>
-            <a:spLocks noGrp="1"/>
-          </p:cNvSpPr>
-          <p:nvPr>
-            <p:ph type="dt" sz="half" idx="2"/>
-          </p:nvPr>
-        </p:nvSpPr>
-        <p:spPr>
-          <a:xfrm>
-            <a:off x="838200" y="6356350"/>
-            <a:ext cx="2743200" cy="365125"/>
-          </a:xfrm>
-          <a:prstGeom prst="rect">
-            <a:avLst/>
-          </a:prstGeom>
-        </p:spPr>
-        <p:txBody>
-          <a:bodyPr vert="horz" lIns="91440" tIns="45720" rIns="91440" bIns="45720" rtlCol="0" anchor="ctr"/>
-          <a:lstStyle>
-            <a:lvl1pPr algn="l">
-              <a:defRPr sz="1200">
-                <a:solidFill>
-                  <a:schemeClr val="tx1">
-                    <a:tint val="75000"/>
-                  </a:schemeClr>
-                </a:solidFill>
-              </a:defRPr>
-            </a:lvl1pPr>
-          </a:lstStyle>
-          <a:p>
-            <a:fld id="{BAC4FF75-4999-6A4C-87D7-5FCC59BDBB2A}" type="datetimeFigureOut">
-              <a:rPr lang="en-US" smtClean="0"/>
-              <a:t>7/3/2019</a:t>
-            </a:fld>
-            <a:endParaRPr lang="en-US"/>
-          </a:p>
-        </p:txBody>
-      </p:sp>
-      <p:sp>
-        <p:nvSpPr>
-          <p:cNvPr id="5" name="Footer Placeholder 4"/>
-          <p:cNvSpPr>
-            <a:spLocks noGrp="1"/>
-          </p:cNvSpPr>
-          <p:nvPr>
-            <p:ph type="ftr" sz="quarter" idx="3"/>
-          </p:nvPr>
-        </p:nvSpPr>
-        <p:spPr>
-          <a:xfrm>
-            <a:off x="4038600" y="6356350"/>
-            <a:ext cx="4114800" cy="365125"/>
-          </a:xfrm>
-          <a:prstGeom prst="rect">
-            <a:avLst/>
-          </a:prstGeom>
-        </p:spPr>
-        <p:txBody>
-          <a:bodyPr vert="horz" lIns="91440" tIns="45720" rIns="91440" bIns="45720" rtlCol="0" anchor="ctr"/>
-          <a:lstStyle>
-            <a:lvl1pPr algn="ctr">
-              <a:defRPr sz="1200">
-                <a:solidFill>
-                  <a:schemeClr val="tx1">
-                    <a:tint val="75000"/>
-                  </a:schemeClr>
-                </a:solidFill>
-              </a:defRPr>
-            </a:lvl1pPr>
-          </a:lstStyle>
-          <a:p>
-            <a:endParaRPr lang="en-US"/>
-          </a:p>
-        </p:txBody>
-      </p:sp>
-      <p:sp>
-        <p:nvSpPr>
-          <p:cNvPr id="6" name="Slide Number Placeholder 5"/>
-          <p:cNvSpPr>
-            <a:spLocks noGrp="1"/>
-          </p:cNvSpPr>
-          <p:nvPr>
-            <p:ph type="sldNum" sz="quarter" idx="4"/>
-          </p:nvPr>
-        </p:nvSpPr>
-        <p:spPr>
-          <a:xfrm>
-            <a:off x="8610600" y="6356350"/>
-            <a:ext cx="2743200" cy="365125"/>
-          </a:xfrm>
-          <a:prstGeom prst="rect">
-            <a:avLst/>
-          </a:prstGeom>
-        </p:spPr>
-        <p:txBody>
-          <a:bodyPr vert="horz" lIns="91440" tIns="45720" rIns="91440" bIns="45720" rtlCol="0" anchor="ctr"/>
-          <a:lstStyle>
-            <a:lvl1pPr algn="r">
-              <a:defRPr sz="1200">
-                <a:solidFill>
-                  <a:schemeClr val="tx1">
-                    <a:tint val="75000"/>
-                  </a:schemeClr>
-                </a:solidFill>
-              </a:defRPr>
-            </a:lvl1pPr>
-          </a:lstStyle>
-          <a:p>
-            <a:fld id="{9F465283-5C69-8B40-A656-9B65A9E0D5BD}" type="slidenum">
-              <a:rPr lang="en-US" smtClean="0"/>
-              <a:t>‹#›</a:t>
-            </a:fld>
-            <a:endParaRPr lang="en-US"/>
           </a:p>
         </p:txBody>
       </p:sp>
@@ -2676,13 +2927,16 @@
           <a:spcPct val="0"/>
         </a:spcBef>
         <a:buNone/>
-        <a:defRPr sz="4400" kern="1200">
+        <a:defRPr sz="4400" b="1" kern="1200">
           <a:solidFill>
-            <a:schemeClr val="tx1"/>
+            <a:schemeClr val="tx1">
+              <a:lumMod val="85000"/>
+              <a:lumOff val="15000"/>
+            </a:schemeClr>
           </a:solidFill>
-          <a:latin typeface="+mj-lt"/>
-          <a:ea typeface="+mj-ea"/>
-          <a:cs typeface="+mj-cs"/>
+          <a:latin typeface="Open Sans" panose="020B0606030504020204" pitchFamily="34" charset="0"/>
+          <a:ea typeface="Open Sans" panose="020B0606030504020204" pitchFamily="34" charset="0"/>
+          <a:cs typeface="Open Sans" panose="020B0606030504020204" pitchFamily="34" charset="0"/>
         </a:defRPr>
       </a:lvl1pPr>
     </p:titleStyle>
@@ -2698,11 +2952,14 @@
         <a:buChar char="•"/>
         <a:defRPr sz="2800" kern="1200">
           <a:solidFill>
-            <a:schemeClr val="tx1"/>
+            <a:schemeClr val="tx1">
+              <a:lumMod val="85000"/>
+              <a:lumOff val="15000"/>
+            </a:schemeClr>
           </a:solidFill>
-          <a:latin typeface="+mn-lt"/>
-          <a:ea typeface="+mn-ea"/>
-          <a:cs typeface="+mn-cs"/>
+          <a:latin typeface="Open Sans" panose="020B0606030504020204" pitchFamily="34" charset="0"/>
+          <a:ea typeface="Open Sans" panose="020B0606030504020204" pitchFamily="34" charset="0"/>
+          <a:cs typeface="Open Sans" panose="020B0606030504020204" pitchFamily="34" charset="0"/>
         </a:defRPr>
       </a:lvl1pPr>
       <a:lvl2pPr marL="685800" indent="-228600" algn="l" defTabSz="914400" rtl="0" eaLnBrk="1" latinLnBrk="0" hangingPunct="1">
@@ -2716,11 +2973,14 @@
         <a:buChar char="•"/>
         <a:defRPr sz="2400" kern="1200">
           <a:solidFill>
-            <a:schemeClr val="tx1"/>
+            <a:schemeClr val="tx1">
+              <a:lumMod val="85000"/>
+              <a:lumOff val="15000"/>
+            </a:schemeClr>
           </a:solidFill>
-          <a:latin typeface="+mn-lt"/>
-          <a:ea typeface="+mn-ea"/>
-          <a:cs typeface="+mn-cs"/>
+          <a:latin typeface="Open Sans" panose="020B0606030504020204" pitchFamily="34" charset="0"/>
+          <a:ea typeface="Open Sans" panose="020B0606030504020204" pitchFamily="34" charset="0"/>
+          <a:cs typeface="Open Sans" panose="020B0606030504020204" pitchFamily="34" charset="0"/>
         </a:defRPr>
       </a:lvl2pPr>
       <a:lvl3pPr marL="1143000" indent="-228600" algn="l" defTabSz="914400" rtl="0" eaLnBrk="1" latinLnBrk="0" hangingPunct="1">
@@ -2734,11 +2994,14 @@
         <a:buChar char="•"/>
         <a:defRPr sz="2000" kern="1200">
           <a:solidFill>
-            <a:schemeClr val="tx1"/>
+            <a:schemeClr val="tx1">
+              <a:lumMod val="85000"/>
+              <a:lumOff val="15000"/>
+            </a:schemeClr>
           </a:solidFill>
-          <a:latin typeface="+mn-lt"/>
-          <a:ea typeface="+mn-ea"/>
-          <a:cs typeface="+mn-cs"/>
+          <a:latin typeface="Open Sans" panose="020B0606030504020204" pitchFamily="34" charset="0"/>
+          <a:ea typeface="Open Sans" panose="020B0606030504020204" pitchFamily="34" charset="0"/>
+          <a:cs typeface="Open Sans" panose="020B0606030504020204" pitchFamily="34" charset="0"/>
         </a:defRPr>
       </a:lvl3pPr>
       <a:lvl4pPr marL="1600200" indent="-228600" algn="l" defTabSz="914400" rtl="0" eaLnBrk="1" latinLnBrk="0" hangingPunct="1">
@@ -2752,11 +3015,14 @@
         <a:buChar char="•"/>
         <a:defRPr sz="1800" kern="1200">
           <a:solidFill>
-            <a:schemeClr val="tx1"/>
+            <a:schemeClr val="tx1">
+              <a:lumMod val="85000"/>
+              <a:lumOff val="15000"/>
+            </a:schemeClr>
           </a:solidFill>
-          <a:latin typeface="+mn-lt"/>
-          <a:ea typeface="+mn-ea"/>
-          <a:cs typeface="+mn-cs"/>
+          <a:latin typeface="Open Sans" panose="020B0606030504020204" pitchFamily="34" charset="0"/>
+          <a:ea typeface="Open Sans" panose="020B0606030504020204" pitchFamily="34" charset="0"/>
+          <a:cs typeface="Open Sans" panose="020B0606030504020204" pitchFamily="34" charset="0"/>
         </a:defRPr>
       </a:lvl4pPr>
       <a:lvl5pPr marL="2057400" indent="-228600" algn="l" defTabSz="914400" rtl="0" eaLnBrk="1" latinLnBrk="0" hangingPunct="1">
@@ -2770,11 +3036,14 @@
         <a:buChar char="•"/>
         <a:defRPr sz="1800" kern="1200">
           <a:solidFill>
-            <a:schemeClr val="tx1"/>
+            <a:schemeClr val="tx1">
+              <a:lumMod val="85000"/>
+              <a:lumOff val="15000"/>
+            </a:schemeClr>
           </a:solidFill>
-          <a:latin typeface="+mn-lt"/>
-          <a:ea typeface="+mn-ea"/>
-          <a:cs typeface="+mn-cs"/>
+          <a:latin typeface="Open Sans" panose="020B0606030504020204" pitchFamily="34" charset="0"/>
+          <a:ea typeface="Open Sans" panose="020B0606030504020204" pitchFamily="34" charset="0"/>
+          <a:cs typeface="Open Sans" panose="020B0606030504020204" pitchFamily="34" charset="0"/>
         </a:defRPr>
       </a:lvl5pPr>
       <a:lvl6pPr marL="2514600" indent="-228600" algn="l" defTabSz="914400" rtl="0" eaLnBrk="1" latinLnBrk="0" hangingPunct="1">
@@ -3240,27 +3509,8 @@
                 <a:ea typeface="Open Sans" panose="020B0606030504020204" pitchFamily="34" charset="0"/>
                 <a:cs typeface="Open Sans" panose="020B0606030504020204" pitchFamily="34" charset="0"/>
               </a:rPr>
-              <a:t>#</a:t>
-            </a:r>
-            <a:r>
-              <a:rPr lang="en-US" sz="2000" b="1" err="1">
-                <a:solidFill>
-                  <a:schemeClr val="bg1"/>
-                </a:solidFill>
-                <a:latin typeface="Open Sans" panose="020B0606030504020204" pitchFamily="34" charset="0"/>
-                <a:ea typeface="Open Sans" panose="020B0606030504020204" pitchFamily="34" charset="0"/>
-                <a:cs typeface="Open Sans" panose="020B0606030504020204" pitchFamily="34" charset="0"/>
-              </a:rPr>
-              <a:t>XamDevSummit</a:t>
-            </a:r>
-            <a:endParaRPr lang="en-US" sz="2000" b="1">
-              <a:solidFill>
-                <a:schemeClr val="bg1"/>
-              </a:solidFill>
-              <a:latin typeface="Open Sans" panose="020B0606030504020204" pitchFamily="34" charset="0"/>
-              <a:ea typeface="Open Sans" panose="020B0606030504020204" pitchFamily="34" charset="0"/>
-              <a:cs typeface="Open Sans" panose="020B0606030504020204" pitchFamily="34" charset="0"/>
-            </a:endParaRPr>
+              <a:t>#XamDevSummit</a:t>
+            </a:r>
           </a:p>
         </p:txBody>
       </p:sp>
@@ -4015,17 +4265,6 @@
               <a:t>Download our Xamarin based mobile app: </a:t>
             </a:r>
             <a:r>
-              <a:rPr lang="en-US" sz="2000" err="1">
-                <a:solidFill>
-                  <a:srgbClr val="3499DC"/>
-                </a:solidFill>
-                <a:latin typeface="Open Sans" panose="020B0606030504020204" pitchFamily="34" charset="0"/>
-                <a:ea typeface="Open Sans" panose="020B0606030504020204" pitchFamily="34" charset="0"/>
-                <a:cs typeface="Open Sans" panose="020B0606030504020204" pitchFamily="34" charset="0"/>
-              </a:rPr>
-              <a:t>XamDevSummit</a:t>
-            </a:r>
-            <a:r>
               <a:rPr lang="en-US" sz="2000">
                 <a:solidFill>
                   <a:srgbClr val="3499DC"/>
@@ -4034,7 +4273,7 @@
                 <a:ea typeface="Open Sans" panose="020B0606030504020204" pitchFamily="34" charset="0"/>
                 <a:cs typeface="Open Sans" panose="020B0606030504020204" pitchFamily="34" charset="0"/>
               </a:rPr>
-              <a:t>.</a:t>
+              <a:t>XamDevSummit.</a:t>
             </a:r>
           </a:p>
         </p:txBody>
@@ -4501,7 +4740,7 @@
 <file path=ppt/theme/theme1.xml><?xml version="1.0" encoding="utf-8"?>
 <a:theme xmlns:a="http://schemas.openxmlformats.org/drawingml/2006/main" name="Office Theme">
   <a:themeElements>
-    <a:clrScheme name="Office Theme">
+    <a:clrScheme name="Blue II">
       <a:dk1>
         <a:sysClr val="windowText" lastClr="000000"/>
       </a:dk1>
@@ -4509,52 +4748,52 @@
         <a:sysClr val="window" lastClr="FFFFFF"/>
       </a:lt1>
       <a:dk2>
-        <a:srgbClr val="44546A"/>
+        <a:srgbClr val="335B74"/>
       </a:dk2>
       <a:lt2>
-        <a:srgbClr val="E7E6E6"/>
+        <a:srgbClr val="DFE3E5"/>
       </a:lt2>
       <a:accent1>
-        <a:srgbClr val="4472C4"/>
+        <a:srgbClr val="1CADE4"/>
       </a:accent1>
       <a:accent2>
-        <a:srgbClr val="ED7D31"/>
+        <a:srgbClr val="2683C6"/>
       </a:accent2>
       <a:accent3>
-        <a:srgbClr val="A5A5A5"/>
+        <a:srgbClr val="27CED7"/>
       </a:accent3>
       <a:accent4>
-        <a:srgbClr val="FFC000"/>
+        <a:srgbClr val="42BA97"/>
       </a:accent4>
       <a:accent5>
-        <a:srgbClr val="5B9BD5"/>
+        <a:srgbClr val="3E8853"/>
       </a:accent5>
       <a:accent6>
-        <a:srgbClr val="70AD47"/>
+        <a:srgbClr val="62A39F"/>
       </a:accent6>
       <a:hlink>
-        <a:srgbClr val="0563C1"/>
+        <a:srgbClr val="6EAC1C"/>
       </a:hlink>
       <a:folHlink>
-        <a:srgbClr val="954F72"/>
+        <a:srgbClr val="B26B02"/>
       </a:folHlink>
     </a:clrScheme>
-    <a:fontScheme name="Office Theme">
+    <a:fontScheme name="Arial">
       <a:majorFont>
-        <a:latin typeface="Calibri Light" panose="020F0302020204030204"/>
+        <a:latin typeface="Arial" panose="020B0604020202020204"/>
         <a:ea typeface=""/>
         <a:cs typeface=""/>
-        <a:font script="Jpan" typeface="游ゴシック Light"/>
-        <a:font script="Hang" typeface="맑은 고딕"/>
-        <a:font script="Hans" typeface="等线 Light"/>
-        <a:font script="Hant" typeface="新細明體"/>
-        <a:font script="Arab" typeface="Times New Roman"/>
-        <a:font script="Hebr" typeface="Times New Roman"/>
-        <a:font script="Thai" typeface="Angsana New"/>
+        <a:font script="Jpan" typeface="ＭＳ Ｐゴシック"/>
+        <a:font script="Hang" typeface="굴림"/>
+        <a:font script="Hans" typeface="黑体"/>
+        <a:font script="Hant" typeface="微軟正黑體"/>
+        <a:font script="Arab" typeface="Arial"/>
+        <a:font script="Hebr" typeface="Arial"/>
+        <a:font script="Thai" typeface="Cordia New"/>
         <a:font script="Ethi" typeface="Nyala"/>
         <a:font script="Beng" typeface="Vrinda"/>
         <a:font script="Gujr" typeface="Shruti"/>
-        <a:font script="Khmr" typeface="MoolBoran"/>
+        <a:font script="Khmr" typeface="DaunPenh"/>
         <a:font script="Knda" typeface="Tunga"/>
         <a:font script="Guru" typeface="Raavi"/>
         <a:font script="Cans" typeface="Euphemia"/>
@@ -4571,18 +4810,18 @@
         <a:font script="Laoo" typeface="DokChampa"/>
         <a:font script="Sinh" typeface="Iskoola Pota"/>
         <a:font script="Mong" typeface="Mongolian Baiti"/>
-        <a:font script="Viet" typeface="Times New Roman"/>
+        <a:font script="Viet" typeface="Arial"/>
         <a:font script="Uigh" typeface="Microsoft Uighur"/>
         <a:font script="Geor" typeface="Sylfaen"/>
       </a:majorFont>
       <a:minorFont>
-        <a:latin typeface="Calibri" panose="020F0502020204030204"/>
+        <a:latin typeface="Arial" panose="020B0604020202020204"/>
         <a:ea typeface=""/>
         <a:cs typeface=""/>
-        <a:font script="Jpan" typeface="游ゴシック"/>
-        <a:font script="Hang" typeface="맑은 고딕"/>
-        <a:font script="Hans" typeface="等线"/>
-        <a:font script="Hant" typeface="新細明體"/>
+        <a:font script="Jpan" typeface="ＭＳ Ｐゴシック"/>
+        <a:font script="Hang" typeface="굴림"/>
+        <a:font script="Hans" typeface="黑体"/>
+        <a:font script="Hant" typeface="微軟正黑體"/>
         <a:font script="Arab" typeface="Arial"/>
         <a:font script="Hebr" typeface="Arial"/>
         <a:font script="Thai" typeface="Cordia New"/>
